--- a/Bemutató1.pptx
+++ b/Bemutató1.pptx
@@ -10,6 +10,8 @@
     <p:sldId id="257" r:id="rId4"/>
     <p:sldId id="262" r:id="rId5"/>
     <p:sldId id="263" r:id="rId6"/>
+    <p:sldId id="265" r:id="rId7"/>
+    <p:sldId id="264" r:id="rId8"/>
   </p:sldIdLst>
   <p:sldSz cx="9144000" cy="6858000" type="screen4x3"/>
   <p:notesSz cx="6858000" cy="9144000"/>
@@ -306,7 +308,7 @@
           <a:p>
             <a:fld id="{5C971925-9A2B-4574-9EB1-82BD1F7807FA}" type="datetimeFigureOut">
               <a:rPr lang="hu-HU" smtClean="0"/>
-              <a:t>2024. 02. 06.</a:t>
+              <a:t>2024. 02. 07.</a:t>
             </a:fld>
             <a:endParaRPr lang="hu-HU"/>
           </a:p>
@@ -469,7 +471,7 @@
           <a:p>
             <a:fld id="{5C971925-9A2B-4574-9EB1-82BD1F7807FA}" type="datetimeFigureOut">
               <a:rPr lang="hu-HU" smtClean="0"/>
-              <a:t>2024. 02. 06.</a:t>
+              <a:t>2024. 02. 07.</a:t>
             </a:fld>
             <a:endParaRPr lang="hu-HU"/>
           </a:p>
@@ -642,7 +644,7 @@
           <a:p>
             <a:fld id="{5C971925-9A2B-4574-9EB1-82BD1F7807FA}" type="datetimeFigureOut">
               <a:rPr lang="hu-HU" smtClean="0"/>
-              <a:t>2024. 02. 06.</a:t>
+              <a:t>2024. 02. 07.</a:t>
             </a:fld>
             <a:endParaRPr lang="hu-HU"/>
           </a:p>
@@ -805,7 +807,7 @@
           <a:p>
             <a:fld id="{5C971925-9A2B-4574-9EB1-82BD1F7807FA}" type="datetimeFigureOut">
               <a:rPr lang="hu-HU" smtClean="0"/>
-              <a:t>2024. 02. 06.</a:t>
+              <a:t>2024. 02. 07.</a:t>
             </a:fld>
             <a:endParaRPr lang="hu-HU"/>
           </a:p>
@@ -1045,7 +1047,7 @@
           <a:p>
             <a:fld id="{5C971925-9A2B-4574-9EB1-82BD1F7807FA}" type="datetimeFigureOut">
               <a:rPr lang="hu-HU" smtClean="0"/>
-              <a:t>2024. 02. 06.</a:t>
+              <a:t>2024. 02. 07.</a:t>
             </a:fld>
             <a:endParaRPr lang="hu-HU"/>
           </a:p>
@@ -1325,7 +1327,7 @@
           <a:p>
             <a:fld id="{5C971925-9A2B-4574-9EB1-82BD1F7807FA}" type="datetimeFigureOut">
               <a:rPr lang="hu-HU" smtClean="0"/>
-              <a:t>2024. 02. 06.</a:t>
+              <a:t>2024. 02. 07.</a:t>
             </a:fld>
             <a:endParaRPr lang="hu-HU"/>
           </a:p>
@@ -1739,7 +1741,7 @@
           <a:p>
             <a:fld id="{5C971925-9A2B-4574-9EB1-82BD1F7807FA}" type="datetimeFigureOut">
               <a:rPr lang="hu-HU" smtClean="0"/>
-              <a:t>2024. 02. 06.</a:t>
+              <a:t>2024. 02. 07.</a:t>
             </a:fld>
             <a:endParaRPr lang="hu-HU"/>
           </a:p>
@@ -1851,7 +1853,7 @@
           <a:p>
             <a:fld id="{5C971925-9A2B-4574-9EB1-82BD1F7807FA}" type="datetimeFigureOut">
               <a:rPr lang="hu-HU" smtClean="0"/>
-              <a:t>2024. 02. 06.</a:t>
+              <a:t>2024. 02. 07.</a:t>
             </a:fld>
             <a:endParaRPr lang="hu-HU"/>
           </a:p>
@@ -1941,7 +1943,7 @@
           <a:p>
             <a:fld id="{5C971925-9A2B-4574-9EB1-82BD1F7807FA}" type="datetimeFigureOut">
               <a:rPr lang="hu-HU" smtClean="0"/>
-              <a:t>2024. 02. 06.</a:t>
+              <a:t>2024. 02. 07.</a:t>
             </a:fld>
             <a:endParaRPr lang="hu-HU"/>
           </a:p>
@@ -2211,7 +2213,7 @@
           <a:p>
             <a:fld id="{5C971925-9A2B-4574-9EB1-82BD1F7807FA}" type="datetimeFigureOut">
               <a:rPr lang="hu-HU" smtClean="0"/>
-              <a:t>2024. 02. 06.</a:t>
+              <a:t>2024. 02. 07.</a:t>
             </a:fld>
             <a:endParaRPr lang="hu-HU"/>
           </a:p>
@@ -2458,7 +2460,7 @@
           <a:p>
             <a:fld id="{5C971925-9A2B-4574-9EB1-82BD1F7807FA}" type="datetimeFigureOut">
               <a:rPr lang="hu-HU" smtClean="0"/>
-              <a:t>2024. 02. 06.</a:t>
+              <a:t>2024. 02. 07.</a:t>
             </a:fld>
             <a:endParaRPr lang="hu-HU"/>
           </a:p>
@@ -2519,9 +2521,36 @@
   <p:cSld>
     <p:bg>
       <p:bgPr>
-        <a:solidFill>
-          <a:srgbClr val="650B0B"/>
-        </a:solidFill>
+        <a:gradFill flip="none" rotWithShape="1">
+          <a:gsLst>
+            <a:gs pos="0">
+              <a:schemeClr val="accent1">
+                <a:lumMod val="5000"/>
+                <a:lumOff val="95000"/>
+              </a:schemeClr>
+            </a:gs>
+            <a:gs pos="74000">
+              <a:schemeClr val="accent1">
+                <a:lumMod val="45000"/>
+                <a:lumOff val="55000"/>
+              </a:schemeClr>
+            </a:gs>
+            <a:gs pos="83000">
+              <a:schemeClr val="accent1">
+                <a:lumMod val="45000"/>
+                <a:lumOff val="55000"/>
+              </a:schemeClr>
+            </a:gs>
+            <a:gs pos="100000">
+              <a:schemeClr val="accent1">
+                <a:lumMod val="30000"/>
+                <a:lumOff val="70000"/>
+              </a:schemeClr>
+            </a:gs>
+          </a:gsLst>
+          <a:lin ang="5400000" scaled="1"/>
+          <a:tileRect/>
+        </a:gradFill>
         <a:effectLst/>
       </p:bgPr>
     </p:bg>
@@ -2667,7 +2696,7 @@
           <a:p>
             <a:fld id="{5C971925-9A2B-4574-9EB1-82BD1F7807FA}" type="datetimeFigureOut">
               <a:rPr lang="hu-HU" smtClean="0"/>
-              <a:t>2024. 02. 06.</a:t>
+              <a:t>2024. 02. 07.</a:t>
             </a:fld>
             <a:endParaRPr lang="hu-HU"/>
           </a:p>
@@ -3296,7 +3325,7 @@
         </p:nvSpPr>
         <p:spPr>
           <a:xfrm>
-            <a:off x="5220072" y="2392115"/>
+            <a:off x="5004048" y="2307357"/>
             <a:ext cx="3456384" cy="3539430"/>
           </a:xfrm>
           <a:prstGeom prst="rect">
@@ -3315,7 +3344,7 @@
               <a:buChar char="•"/>
             </a:pPr>
             <a:r>
-              <a:rPr lang="en-US" sz="1400" b="0" i="0">
+              <a:rPr lang="en-US" sz="1400" b="0" i="0" dirty="0">
                 <a:solidFill>
                   <a:schemeClr val="bg1"/>
                 </a:solidFill>
@@ -3331,7 +3360,7 @@
               <a:buChar char="•"/>
             </a:pPr>
             <a:r>
-              <a:rPr lang="en-US" sz="1400" b="0" i="0">
+              <a:rPr lang="en-US" sz="1400" b="0" i="0" dirty="0">
                 <a:solidFill>
                   <a:schemeClr val="bg1"/>
                 </a:solidFill>
@@ -3347,7 +3376,7 @@
               <a:buChar char="•"/>
             </a:pPr>
             <a:r>
-              <a:rPr lang="en-US" sz="1400" b="0" i="0">
+              <a:rPr lang="en-US" sz="1400" b="0" i="0" dirty="0">
                 <a:solidFill>
                   <a:schemeClr val="bg1"/>
                 </a:solidFill>
@@ -3363,7 +3392,7 @@
               <a:buChar char="•"/>
             </a:pPr>
             <a:r>
-              <a:rPr lang="en-US" sz="1400" b="0" i="0">
+              <a:rPr lang="en-US" sz="1400" b="0" i="0" dirty="0">
                 <a:solidFill>
                   <a:schemeClr val="bg1"/>
                 </a:solidFill>
@@ -3372,7 +3401,7 @@
               </a:rPr>
               <a:t>Additionally, robotics helps businesses optimize resources and stay competitive.</a:t>
             </a:r>
-            <a:endParaRPr lang="hu-HU" sz="1400">
+            <a:endParaRPr lang="hu-HU" sz="1400" dirty="0">
               <a:solidFill>
                 <a:schemeClr val="bg1"/>
               </a:solidFill>
@@ -3381,6 +3410,110 @@
           </a:p>
         </p:txBody>
       </p:sp>
+      <p:pic>
+        <p:nvPicPr>
+          <p:cNvPr id="2050" name="Picture 2" descr="The Future of Robotics: Everything You Need to Know in 2023 | Simplilearn">
+            <a:extLst>
+              <a:ext uri="{FF2B5EF4-FFF2-40B4-BE49-F238E27FC236}">
+                <a16:creationId xmlns:a16="http://schemas.microsoft.com/office/drawing/2014/main" id="{5D66B543-B341-4FD9-8B15-F683F71F0882}"/>
+              </a:ext>
+            </a:extLst>
+          </p:cNvPr>
+          <p:cNvPicPr>
+            <a:picLocks noChangeAspect="1" noChangeArrowheads="1"/>
+          </p:cNvPicPr>
+          <p:nvPr/>
+        </p:nvPicPr>
+        <p:blipFill>
+          <a:blip r:embed="rId2" cstate="print">
+            <a:extLst>
+              <a:ext uri="{28A0092B-C50C-407E-A947-70E740481C1C}">
+                <a14:useLocalDpi xmlns:a14="http://schemas.microsoft.com/office/drawing/2010/main" val="0"/>
+              </a:ext>
+            </a:extLst>
+          </a:blip>
+          <a:srcRect/>
+          <a:stretch>
+            <a:fillRect/>
+          </a:stretch>
+        </p:blipFill>
+        <p:spPr bwMode="auto">
+          <a:xfrm>
+            <a:off x="954770" y="2107526"/>
+            <a:ext cx="2969159" cy="1670152"/>
+          </a:xfrm>
+          <a:prstGeom prst="rect">
+            <a:avLst/>
+          </a:prstGeom>
+          <a:noFill/>
+          <a:ln w="25400">
+            <a:solidFill>
+              <a:schemeClr val="bg1"/>
+            </a:solidFill>
+          </a:ln>
+          <a:extLst>
+            <a:ext uri="{909E8E84-426E-40DD-AFC4-6F175D3DCCD1}">
+              <a14:hiddenFill xmlns:a14="http://schemas.microsoft.com/office/drawing/2010/main">
+                <a:solidFill>
+                  <a:srgbClr val="FFFFFF"/>
+                </a:solidFill>
+              </a14:hiddenFill>
+            </a:ext>
+          </a:extLst>
+        </p:spPr>
+      </p:pic>
+      <p:pic>
+        <p:nvPicPr>
+          <p:cNvPr id="2052" name="Picture 4" descr="Automating the future with artificial intelligence | Protolabs">
+            <a:extLst>
+              <a:ext uri="{FF2B5EF4-FFF2-40B4-BE49-F238E27FC236}">
+                <a16:creationId xmlns:a16="http://schemas.microsoft.com/office/drawing/2014/main" id="{CFF158BB-8916-495F-AF6B-67C2F3074B75}"/>
+              </a:ext>
+            </a:extLst>
+          </p:cNvPr>
+          <p:cNvPicPr>
+            <a:picLocks noChangeAspect="1" noChangeArrowheads="1"/>
+          </p:cNvPicPr>
+          <p:nvPr/>
+        </p:nvPicPr>
+        <p:blipFill>
+          <a:blip r:embed="rId3" cstate="print">
+            <a:extLst>
+              <a:ext uri="{28A0092B-C50C-407E-A947-70E740481C1C}">
+                <a14:useLocalDpi xmlns:a14="http://schemas.microsoft.com/office/drawing/2010/main" val="0"/>
+              </a:ext>
+            </a:extLst>
+          </a:blip>
+          <a:srcRect/>
+          <a:stretch>
+            <a:fillRect/>
+          </a:stretch>
+        </p:blipFill>
+        <p:spPr bwMode="auto">
+          <a:xfrm>
+            <a:off x="954770" y="4077072"/>
+            <a:ext cx="2969159" cy="2179712"/>
+          </a:xfrm>
+          <a:prstGeom prst="rect">
+            <a:avLst/>
+          </a:prstGeom>
+          <a:noFill/>
+          <a:ln w="25400">
+            <a:solidFill>
+              <a:schemeClr val="bg1"/>
+            </a:solidFill>
+          </a:ln>
+          <a:extLst>
+            <a:ext uri="{909E8E84-426E-40DD-AFC4-6F175D3DCCD1}">
+              <a14:hiddenFill xmlns:a14="http://schemas.microsoft.com/office/drawing/2010/main">
+                <a:solidFill>
+                  <a:srgbClr val="FFFFFF"/>
+                </a:solidFill>
+              </a14:hiddenFill>
+            </a:ext>
+          </a:extLst>
+        </p:spPr>
+      </p:pic>
     </p:spTree>
   </p:cSld>
   <p:clrMapOvr>
@@ -4592,7 +4725,969 @@
           </a:p>
         </p:txBody>
       </p:sp>
+      <p:pic>
+        <p:nvPicPr>
+          <p:cNvPr id="1026" name="Picture 2" descr="Envisioning the future of robotics - Robohub">
+            <a:extLst>
+              <a:ext uri="{FF2B5EF4-FFF2-40B4-BE49-F238E27FC236}">
+                <a16:creationId xmlns:a16="http://schemas.microsoft.com/office/drawing/2014/main" id="{0C1EA46E-CC13-41BB-A6A0-3DF32DCDAC84}"/>
+              </a:ext>
+            </a:extLst>
+          </p:cNvPr>
+          <p:cNvPicPr>
+            <a:picLocks noChangeAspect="1" noChangeArrowheads="1"/>
+          </p:cNvPicPr>
+          <p:nvPr/>
+        </p:nvPicPr>
+        <p:blipFill>
+          <a:blip r:embed="rId2" cstate="print">
+            <a:extLst>
+              <a:ext uri="{28A0092B-C50C-407E-A947-70E740481C1C}">
+                <a14:useLocalDpi xmlns:a14="http://schemas.microsoft.com/office/drawing/2010/main" val="0"/>
+              </a:ext>
+            </a:extLst>
+          </a:blip>
+          <a:srcRect/>
+          <a:stretch>
+            <a:fillRect/>
+          </a:stretch>
+        </p:blipFill>
+        <p:spPr bwMode="auto">
+          <a:xfrm>
+            <a:off x="827584" y="4178993"/>
+            <a:ext cx="3185556" cy="2123703"/>
+          </a:xfrm>
+          <a:prstGeom prst="rect">
+            <a:avLst/>
+          </a:prstGeom>
+          <a:noFill/>
+          <a:ln w="25400">
+            <a:solidFill>
+              <a:schemeClr val="bg1"/>
+            </a:solidFill>
+          </a:ln>
+          <a:extLst>
+            <a:ext uri="{909E8E84-426E-40DD-AFC4-6F175D3DCCD1}">
+              <a14:hiddenFill xmlns:a14="http://schemas.microsoft.com/office/drawing/2010/main">
+                <a:solidFill>
+                  <a:srgbClr val="FFFFFF"/>
+                </a:solidFill>
+              </a14:hiddenFill>
+            </a:ext>
+          </a:extLst>
+        </p:spPr>
+      </p:pic>
+      <p:pic>
+        <p:nvPicPr>
+          <p:cNvPr id="1028" name="Picture 4" descr="Android robots. Robotics Future &amp;amp; AI - Iberdrola">
+            <a:extLst>
+              <a:ext uri="{FF2B5EF4-FFF2-40B4-BE49-F238E27FC236}">
+                <a16:creationId xmlns:a16="http://schemas.microsoft.com/office/drawing/2014/main" id="{787AB059-A04F-4B90-81D6-2EEA616AFD15}"/>
+              </a:ext>
+            </a:extLst>
+          </p:cNvPr>
+          <p:cNvPicPr>
+            <a:picLocks noChangeAspect="1" noChangeArrowheads="1"/>
+          </p:cNvPicPr>
+          <p:nvPr/>
+        </p:nvPicPr>
+        <p:blipFill>
+          <a:blip r:embed="rId3">
+            <a:extLst>
+              <a:ext uri="{28A0092B-C50C-407E-A947-70E740481C1C}">
+                <a14:useLocalDpi xmlns:a14="http://schemas.microsoft.com/office/drawing/2010/main" val="0"/>
+              </a:ext>
+            </a:extLst>
+          </a:blip>
+          <a:srcRect/>
+          <a:stretch>
+            <a:fillRect/>
+          </a:stretch>
+        </p:blipFill>
+        <p:spPr bwMode="auto">
+          <a:xfrm>
+            <a:off x="4788024" y="4178992"/>
+            <a:ext cx="3781105" cy="2123704"/>
+          </a:xfrm>
+          <a:prstGeom prst="rect">
+            <a:avLst/>
+          </a:prstGeom>
+          <a:noFill/>
+          <a:ln w="25400">
+            <a:solidFill>
+              <a:schemeClr val="bg1"/>
+            </a:solidFill>
+          </a:ln>
+          <a:extLst>
+            <a:ext uri="{909E8E84-426E-40DD-AFC4-6F175D3DCCD1}">
+              <a14:hiddenFill xmlns:a14="http://schemas.microsoft.com/office/drawing/2010/main">
+                <a:solidFill>
+                  <a:srgbClr val="FFFFFF"/>
+                </a:solidFill>
+              </a14:hiddenFill>
+            </a:ext>
+          </a:extLst>
+        </p:spPr>
+      </p:pic>
     </p:spTree>
+  </p:cSld>
+  <p:clrMapOvr>
+    <a:masterClrMapping/>
+  </p:clrMapOvr>
+</p:sld>
+</file>
+
+<file path=ppt/slides/slide6.xml><?xml version="1.0" encoding="utf-8"?>
+<p:sld xmlns:a="http://schemas.openxmlformats.org/drawingml/2006/main" xmlns:r="http://schemas.openxmlformats.org/officeDocument/2006/relationships" xmlns:p="http://schemas.openxmlformats.org/presentationml/2006/main">
+  <p:cSld>
+    <p:spTree>
+      <p:nvGrpSpPr>
+        <p:cNvPr id="1" name=""/>
+        <p:cNvGrpSpPr/>
+        <p:nvPr/>
+      </p:nvGrpSpPr>
+      <p:grpSpPr>
+        <a:xfrm>
+          <a:off x="0" y="0"/>
+          <a:ext cx="0" cy="0"/>
+          <a:chOff x="0" y="0"/>
+          <a:chExt cx="0" cy="0"/>
+        </a:xfrm>
+      </p:grpSpPr>
+      <p:sp>
+        <p:nvSpPr>
+          <p:cNvPr id="4" name="Szövegdoboz 3"/>
+          <p:cNvSpPr txBox="1"/>
+          <p:nvPr/>
+        </p:nvSpPr>
+        <p:spPr>
+          <a:xfrm>
+            <a:off x="0" y="285728"/>
+            <a:ext cx="9144000" cy="523220"/>
+          </a:xfrm>
+          <a:prstGeom prst="rect">
+            <a:avLst/>
+          </a:prstGeom>
+          <a:noFill/>
+        </p:spPr>
+        <p:txBody>
+          <a:bodyPr wrap="square" rtlCol="0">
+            <a:spAutoFit/>
+          </a:bodyPr>
+          <a:lstStyle/>
+          <a:p>
+            <a:pPr algn="ctr"/>
+            <a:r>
+              <a:rPr lang="hu-HU" sz="2800" dirty="0">
+                <a:solidFill>
+                  <a:schemeClr val="bg1">
+                    <a:lumMod val="95000"/>
+                    <a:lumOff val="5000"/>
+                  </a:schemeClr>
+                </a:solidFill>
+                <a:latin typeface="Copperplate Gothic Bold" pitchFamily="34" charset="0"/>
+              </a:rPr>
+              <a:t>5.</a:t>
+            </a:r>
+          </a:p>
+        </p:txBody>
+      </p:sp>
+      <p:sp>
+        <p:nvSpPr>
+          <p:cNvPr id="2" name="Téglalap 1">
+            <a:extLst>
+              <a:ext uri="{FF2B5EF4-FFF2-40B4-BE49-F238E27FC236}">
+                <a16:creationId xmlns:a16="http://schemas.microsoft.com/office/drawing/2014/main" id="{7E1D9BDB-2E1E-3D39-93F3-B317D32AFEF2}"/>
+              </a:ext>
+            </a:extLst>
+          </p:cNvPr>
+          <p:cNvSpPr/>
+          <p:nvPr/>
+        </p:nvSpPr>
+        <p:spPr>
+          <a:xfrm>
+            <a:off x="0" y="928670"/>
+            <a:ext cx="9144000" cy="523220"/>
+          </a:xfrm>
+          <a:prstGeom prst="rect">
+            <a:avLst/>
+          </a:prstGeom>
+        </p:spPr>
+        <p:txBody>
+          <a:bodyPr wrap="square">
+            <a:spAutoFit/>
+          </a:bodyPr>
+          <a:lstStyle/>
+          <a:p>
+            <a:pPr algn="ctr"/>
+            <a:r>
+              <a:rPr lang="hu-HU" sz="2800" dirty="0" err="1">
+                <a:solidFill>
+                  <a:schemeClr val="bg1">
+                    <a:lumMod val="95000"/>
+                    <a:lumOff val="5000"/>
+                  </a:schemeClr>
+                </a:solidFill>
+                <a:latin typeface="Copperplate Gothic Bold" pitchFamily="34" charset="0"/>
+              </a:rPr>
+              <a:t>Words</a:t>
+            </a:r>
+            <a:endParaRPr lang="hu-HU" sz="2800" dirty="0">
+              <a:solidFill>
+                <a:schemeClr val="bg1">
+                  <a:lumMod val="95000"/>
+                  <a:lumOff val="5000"/>
+                </a:schemeClr>
+              </a:solidFill>
+              <a:latin typeface="Copperplate Gothic Bold" pitchFamily="34" charset="0"/>
+            </a:endParaRPr>
+          </a:p>
+        </p:txBody>
+      </p:sp>
+      <p:sp>
+        <p:nvSpPr>
+          <p:cNvPr id="3" name="Szövegdoboz 2">
+            <a:extLst>
+              <a:ext uri="{FF2B5EF4-FFF2-40B4-BE49-F238E27FC236}">
+                <a16:creationId xmlns:a16="http://schemas.microsoft.com/office/drawing/2014/main" id="{EF9187D5-7C1A-EEB8-1A87-621F394CA401}"/>
+              </a:ext>
+            </a:extLst>
+          </p:cNvPr>
+          <p:cNvSpPr txBox="1"/>
+          <p:nvPr/>
+        </p:nvSpPr>
+        <p:spPr>
+          <a:xfrm>
+            <a:off x="2084268" y="1844824"/>
+            <a:ext cx="2376264" cy="4539704"/>
+          </a:xfrm>
+          <a:prstGeom prst="rect">
+            <a:avLst/>
+          </a:prstGeom>
+          <a:noFill/>
+        </p:spPr>
+        <p:txBody>
+          <a:bodyPr wrap="square" rtlCol="0">
+            <a:spAutoFit/>
+          </a:bodyPr>
+          <a:lstStyle/>
+          <a:p>
+            <a:pPr algn="ctr">
+              <a:spcAft>
+                <a:spcPts val="1800"/>
+              </a:spcAft>
+            </a:pPr>
+            <a:r>
+              <a:rPr lang="en-US" sz="1400" dirty="0">
+                <a:solidFill>
+                  <a:schemeClr val="bg1"/>
+                </a:solidFill>
+                <a:latin typeface="Copperplate Gothic Bold" panose="020E0705020206020404" pitchFamily="34" charset="0"/>
+              </a:rPr>
+              <a:t>Automation</a:t>
+            </a:r>
+          </a:p>
+          <a:p>
+            <a:pPr algn="ctr">
+              <a:spcAft>
+                <a:spcPts val="1800"/>
+              </a:spcAft>
+            </a:pPr>
+            <a:r>
+              <a:rPr lang="en-US" sz="1400" dirty="0">
+                <a:solidFill>
+                  <a:schemeClr val="bg1"/>
+                </a:solidFill>
+                <a:latin typeface="Copperplate Gothic Bold" panose="020E0705020206020404" pitchFamily="34" charset="0"/>
+              </a:rPr>
+              <a:t>Artificial Intelligence</a:t>
+            </a:r>
+          </a:p>
+          <a:p>
+            <a:pPr algn="ctr">
+              <a:spcAft>
+                <a:spcPts val="1800"/>
+              </a:spcAft>
+            </a:pPr>
+            <a:r>
+              <a:rPr lang="en-US" sz="1400" dirty="0">
+                <a:solidFill>
+                  <a:schemeClr val="bg1"/>
+                </a:solidFill>
+                <a:latin typeface="Copperplate Gothic Bold" panose="020E0705020206020404" pitchFamily="34" charset="0"/>
+              </a:rPr>
+              <a:t>Mechanization</a:t>
+            </a:r>
+          </a:p>
+          <a:p>
+            <a:pPr algn="ctr">
+              <a:spcAft>
+                <a:spcPts val="1800"/>
+              </a:spcAft>
+            </a:pPr>
+            <a:r>
+              <a:rPr lang="en-US" sz="1400" dirty="0">
+                <a:solidFill>
+                  <a:schemeClr val="bg1"/>
+                </a:solidFill>
+                <a:latin typeface="Copperplate Gothic Bold" panose="020E0705020206020404" pitchFamily="34" charset="0"/>
+              </a:rPr>
+              <a:t>Robotics</a:t>
+            </a:r>
+          </a:p>
+          <a:p>
+            <a:pPr algn="ctr">
+              <a:spcAft>
+                <a:spcPts val="1800"/>
+              </a:spcAft>
+            </a:pPr>
+            <a:r>
+              <a:rPr lang="en-US" sz="1400" dirty="0">
+                <a:solidFill>
+                  <a:schemeClr val="bg1"/>
+                </a:solidFill>
+                <a:latin typeface="Copperplate Gothic Bold" panose="020E0705020206020404" pitchFamily="34" charset="0"/>
+              </a:rPr>
+              <a:t>Sensors</a:t>
+            </a:r>
+          </a:p>
+          <a:p>
+            <a:pPr algn="ctr">
+              <a:spcAft>
+                <a:spcPts val="1800"/>
+              </a:spcAft>
+            </a:pPr>
+            <a:r>
+              <a:rPr lang="en-US" sz="1400" dirty="0">
+                <a:solidFill>
+                  <a:schemeClr val="bg1"/>
+                </a:solidFill>
+                <a:latin typeface="Copperplate Gothic Bold" panose="020E0705020206020404" pitchFamily="34" charset="0"/>
+              </a:rPr>
+              <a:t>Cybernetics</a:t>
+            </a:r>
+          </a:p>
+          <a:p>
+            <a:pPr algn="ctr">
+              <a:spcAft>
+                <a:spcPts val="1800"/>
+              </a:spcAft>
+            </a:pPr>
+            <a:r>
+              <a:rPr lang="en-US" sz="1400" dirty="0">
+                <a:solidFill>
+                  <a:schemeClr val="bg1"/>
+                </a:solidFill>
+                <a:latin typeface="Copperplate Gothic Bold" panose="020E0705020206020404" pitchFamily="34" charset="0"/>
+              </a:rPr>
+              <a:t>Autonomous</a:t>
+            </a:r>
+          </a:p>
+          <a:p>
+            <a:pPr algn="ctr">
+              <a:spcAft>
+                <a:spcPts val="1800"/>
+              </a:spcAft>
+            </a:pPr>
+            <a:r>
+              <a:rPr lang="en-US" sz="1400" dirty="0">
+                <a:solidFill>
+                  <a:schemeClr val="bg1"/>
+                </a:solidFill>
+                <a:latin typeface="Copperplate Gothic Bold" panose="020E0705020206020404" pitchFamily="34" charset="0"/>
+              </a:rPr>
+              <a:t>Machine Learning</a:t>
+            </a:r>
+          </a:p>
+          <a:p>
+            <a:pPr algn="ctr">
+              <a:spcAft>
+                <a:spcPts val="1800"/>
+              </a:spcAft>
+            </a:pPr>
+            <a:r>
+              <a:rPr lang="en-US" sz="1400" dirty="0">
+                <a:solidFill>
+                  <a:schemeClr val="bg1"/>
+                </a:solidFill>
+                <a:latin typeface="Copperplate Gothic Bold" panose="020E0705020206020404" pitchFamily="34" charset="0"/>
+              </a:rPr>
+              <a:t>Drones</a:t>
+            </a:r>
+          </a:p>
+          <a:p>
+            <a:pPr algn="ctr">
+              <a:spcAft>
+                <a:spcPts val="1800"/>
+              </a:spcAft>
+            </a:pPr>
+            <a:r>
+              <a:rPr lang="en-US" sz="1400" dirty="0">
+                <a:solidFill>
+                  <a:schemeClr val="bg1"/>
+                </a:solidFill>
+                <a:latin typeface="Copperplate Gothic Bold" panose="020E0705020206020404" pitchFamily="34" charset="0"/>
+              </a:rPr>
+              <a:t>Humanoid</a:t>
+            </a:r>
+            <a:endParaRPr lang="hu-HU" sz="1400" dirty="0">
+              <a:solidFill>
+                <a:schemeClr val="bg1"/>
+              </a:solidFill>
+              <a:latin typeface="Copperplate Gothic Bold" panose="020E0705020206020404" pitchFamily="34" charset="0"/>
+            </a:endParaRPr>
+          </a:p>
+        </p:txBody>
+      </p:sp>
+      <p:sp>
+        <p:nvSpPr>
+          <p:cNvPr id="7" name="Szövegdoboz 6">
+            <a:extLst>
+              <a:ext uri="{FF2B5EF4-FFF2-40B4-BE49-F238E27FC236}">
+                <a16:creationId xmlns:a16="http://schemas.microsoft.com/office/drawing/2014/main" id="{92F3880F-8FC1-4CFE-AC84-B7350C7FEFAB}"/>
+              </a:ext>
+            </a:extLst>
+          </p:cNvPr>
+          <p:cNvSpPr txBox="1"/>
+          <p:nvPr/>
+        </p:nvSpPr>
+        <p:spPr>
+          <a:xfrm>
+            <a:off x="4788024" y="1878603"/>
+            <a:ext cx="2376264" cy="4539704"/>
+          </a:xfrm>
+          <a:prstGeom prst="rect">
+            <a:avLst/>
+          </a:prstGeom>
+          <a:noFill/>
+        </p:spPr>
+        <p:txBody>
+          <a:bodyPr wrap="square" rtlCol="0">
+            <a:spAutoFit/>
+          </a:bodyPr>
+          <a:lstStyle/>
+          <a:p>
+            <a:pPr algn="ctr">
+              <a:spcAft>
+                <a:spcPts val="1800"/>
+              </a:spcAft>
+            </a:pPr>
+            <a:r>
+              <a:rPr lang="en-US" sz="1400" dirty="0" err="1">
+                <a:solidFill>
+                  <a:schemeClr val="bg1"/>
+                </a:solidFill>
+                <a:latin typeface="Copperplate Gothic Bold" panose="020E0705020206020404" pitchFamily="34" charset="0"/>
+              </a:rPr>
+              <a:t>Automatizálás</a:t>
+            </a:r>
+            <a:endParaRPr lang="en-US" sz="1400" dirty="0">
+              <a:solidFill>
+                <a:schemeClr val="bg1"/>
+              </a:solidFill>
+              <a:latin typeface="Copperplate Gothic Bold" panose="020E0705020206020404" pitchFamily="34" charset="0"/>
+            </a:endParaRPr>
+          </a:p>
+          <a:p>
+            <a:pPr algn="ctr">
+              <a:spcAft>
+                <a:spcPts val="1800"/>
+              </a:spcAft>
+            </a:pPr>
+            <a:r>
+              <a:rPr lang="en-US" sz="1400" dirty="0" err="1">
+                <a:solidFill>
+                  <a:schemeClr val="bg1"/>
+                </a:solidFill>
+                <a:latin typeface="Copperplate Gothic Bold" panose="020E0705020206020404" pitchFamily="34" charset="0"/>
+              </a:rPr>
+              <a:t>Mesterséges</a:t>
+            </a:r>
+            <a:r>
+              <a:rPr lang="en-US" sz="1400" dirty="0">
+                <a:solidFill>
+                  <a:schemeClr val="bg1"/>
+                </a:solidFill>
+                <a:latin typeface="Copperplate Gothic Bold" panose="020E0705020206020404" pitchFamily="34" charset="0"/>
+              </a:rPr>
+              <a:t> </a:t>
+            </a:r>
+            <a:r>
+              <a:rPr lang="en-US" sz="1400" dirty="0" err="1">
+                <a:solidFill>
+                  <a:schemeClr val="bg1"/>
+                </a:solidFill>
+                <a:latin typeface="Copperplate Gothic Bold" panose="020E0705020206020404" pitchFamily="34" charset="0"/>
+              </a:rPr>
+              <a:t>intelligencia</a:t>
+            </a:r>
+            <a:endParaRPr lang="en-US" sz="1400" dirty="0">
+              <a:solidFill>
+                <a:schemeClr val="bg1"/>
+              </a:solidFill>
+              <a:latin typeface="Copperplate Gothic Bold" panose="020E0705020206020404" pitchFamily="34" charset="0"/>
+            </a:endParaRPr>
+          </a:p>
+          <a:p>
+            <a:pPr algn="ctr">
+              <a:spcAft>
+                <a:spcPts val="1800"/>
+              </a:spcAft>
+            </a:pPr>
+            <a:r>
+              <a:rPr lang="en-US" sz="1400" dirty="0" err="1">
+                <a:solidFill>
+                  <a:schemeClr val="bg1"/>
+                </a:solidFill>
+                <a:latin typeface="Copperplate Gothic Bold" panose="020E0705020206020404" pitchFamily="34" charset="0"/>
+              </a:rPr>
+              <a:t>Mechanizáció</a:t>
+            </a:r>
+            <a:endParaRPr lang="en-US" sz="1400" dirty="0">
+              <a:solidFill>
+                <a:schemeClr val="bg1"/>
+              </a:solidFill>
+              <a:latin typeface="Copperplate Gothic Bold" panose="020E0705020206020404" pitchFamily="34" charset="0"/>
+            </a:endParaRPr>
+          </a:p>
+          <a:p>
+            <a:pPr algn="ctr">
+              <a:spcAft>
+                <a:spcPts val="1800"/>
+              </a:spcAft>
+            </a:pPr>
+            <a:r>
+              <a:rPr lang="en-US" sz="1400" dirty="0" err="1">
+                <a:solidFill>
+                  <a:schemeClr val="bg1"/>
+                </a:solidFill>
+                <a:latin typeface="Copperplate Gothic Bold" panose="020E0705020206020404" pitchFamily="34" charset="0"/>
+              </a:rPr>
+              <a:t>Robotika</a:t>
+            </a:r>
+            <a:endParaRPr lang="en-US" sz="1400" dirty="0">
+              <a:solidFill>
+                <a:schemeClr val="bg1"/>
+              </a:solidFill>
+              <a:latin typeface="Copperplate Gothic Bold" panose="020E0705020206020404" pitchFamily="34" charset="0"/>
+            </a:endParaRPr>
+          </a:p>
+          <a:p>
+            <a:pPr algn="ctr">
+              <a:spcAft>
+                <a:spcPts val="1800"/>
+              </a:spcAft>
+            </a:pPr>
+            <a:r>
+              <a:rPr lang="en-US" sz="1400" dirty="0" err="1">
+                <a:solidFill>
+                  <a:schemeClr val="bg1"/>
+                </a:solidFill>
+                <a:latin typeface="Copperplate Gothic Bold" panose="020E0705020206020404" pitchFamily="34" charset="0"/>
+              </a:rPr>
+              <a:t>Érzékelők</a:t>
+            </a:r>
+            <a:endParaRPr lang="en-US" sz="1400" dirty="0">
+              <a:solidFill>
+                <a:schemeClr val="bg1"/>
+              </a:solidFill>
+              <a:latin typeface="Copperplate Gothic Bold" panose="020E0705020206020404" pitchFamily="34" charset="0"/>
+            </a:endParaRPr>
+          </a:p>
+          <a:p>
+            <a:pPr algn="ctr">
+              <a:spcAft>
+                <a:spcPts val="1800"/>
+              </a:spcAft>
+            </a:pPr>
+            <a:r>
+              <a:rPr lang="en-US" sz="1400" dirty="0" err="1">
+                <a:solidFill>
+                  <a:schemeClr val="bg1"/>
+                </a:solidFill>
+                <a:latin typeface="Copperplate Gothic Bold" panose="020E0705020206020404" pitchFamily="34" charset="0"/>
+              </a:rPr>
+              <a:t>Kibernetika</a:t>
+            </a:r>
+            <a:endParaRPr lang="en-US" sz="1400" dirty="0">
+              <a:solidFill>
+                <a:schemeClr val="bg1"/>
+              </a:solidFill>
+              <a:latin typeface="Copperplate Gothic Bold" panose="020E0705020206020404" pitchFamily="34" charset="0"/>
+            </a:endParaRPr>
+          </a:p>
+          <a:p>
+            <a:pPr algn="ctr">
+              <a:spcAft>
+                <a:spcPts val="1800"/>
+              </a:spcAft>
+            </a:pPr>
+            <a:r>
+              <a:rPr lang="en-US" sz="1400" dirty="0" err="1">
+                <a:solidFill>
+                  <a:schemeClr val="bg1"/>
+                </a:solidFill>
+                <a:latin typeface="Copperplate Gothic Bold" panose="020E0705020206020404" pitchFamily="34" charset="0"/>
+              </a:rPr>
+              <a:t>Autonóm</a:t>
+            </a:r>
+            <a:endParaRPr lang="en-US" sz="1400" dirty="0">
+              <a:solidFill>
+                <a:schemeClr val="bg1"/>
+              </a:solidFill>
+              <a:latin typeface="Copperplate Gothic Bold" panose="020E0705020206020404" pitchFamily="34" charset="0"/>
+            </a:endParaRPr>
+          </a:p>
+          <a:p>
+            <a:pPr algn="ctr">
+              <a:spcAft>
+                <a:spcPts val="1800"/>
+              </a:spcAft>
+            </a:pPr>
+            <a:r>
+              <a:rPr lang="en-US" sz="1400" dirty="0" err="1">
+                <a:solidFill>
+                  <a:schemeClr val="bg1"/>
+                </a:solidFill>
+                <a:latin typeface="Copperplate Gothic Bold" panose="020E0705020206020404" pitchFamily="34" charset="0"/>
+              </a:rPr>
+              <a:t>Gépi</a:t>
+            </a:r>
+            <a:r>
+              <a:rPr lang="en-US" sz="1400" dirty="0">
+                <a:solidFill>
+                  <a:schemeClr val="bg1"/>
+                </a:solidFill>
+                <a:latin typeface="Copperplate Gothic Bold" panose="020E0705020206020404" pitchFamily="34" charset="0"/>
+              </a:rPr>
+              <a:t> </a:t>
+            </a:r>
+            <a:r>
+              <a:rPr lang="en-US" sz="1400" dirty="0" err="1">
+                <a:solidFill>
+                  <a:schemeClr val="bg1"/>
+                </a:solidFill>
+                <a:latin typeface="Copperplate Gothic Bold" panose="020E0705020206020404" pitchFamily="34" charset="0"/>
+              </a:rPr>
+              <a:t>tanulás</a:t>
+            </a:r>
+            <a:endParaRPr lang="en-US" sz="1400" dirty="0">
+              <a:solidFill>
+                <a:schemeClr val="bg1"/>
+              </a:solidFill>
+              <a:latin typeface="Copperplate Gothic Bold" panose="020E0705020206020404" pitchFamily="34" charset="0"/>
+            </a:endParaRPr>
+          </a:p>
+          <a:p>
+            <a:pPr algn="ctr">
+              <a:spcAft>
+                <a:spcPts val="1800"/>
+              </a:spcAft>
+            </a:pPr>
+            <a:r>
+              <a:rPr lang="en-US" sz="1400" dirty="0" err="1">
+                <a:solidFill>
+                  <a:schemeClr val="bg1"/>
+                </a:solidFill>
+                <a:latin typeface="Copperplate Gothic Bold" panose="020E0705020206020404" pitchFamily="34" charset="0"/>
+              </a:rPr>
+              <a:t>Drónok</a:t>
+            </a:r>
+            <a:endParaRPr lang="en-US" sz="1400" dirty="0">
+              <a:solidFill>
+                <a:schemeClr val="bg1"/>
+              </a:solidFill>
+              <a:latin typeface="Copperplate Gothic Bold" panose="020E0705020206020404" pitchFamily="34" charset="0"/>
+            </a:endParaRPr>
+          </a:p>
+          <a:p>
+            <a:pPr algn="ctr">
+              <a:spcAft>
+                <a:spcPts val="1800"/>
+              </a:spcAft>
+            </a:pPr>
+            <a:r>
+              <a:rPr lang="en-US" sz="1400" dirty="0">
+                <a:solidFill>
+                  <a:schemeClr val="bg1"/>
+                </a:solidFill>
+                <a:latin typeface="Copperplate Gothic Bold" panose="020E0705020206020404" pitchFamily="34" charset="0"/>
+              </a:rPr>
+              <a:t>Humanoid</a:t>
+            </a:r>
+            <a:endParaRPr lang="hu-HU" sz="1400" dirty="0">
+              <a:solidFill>
+                <a:schemeClr val="bg1"/>
+              </a:solidFill>
+              <a:latin typeface="Copperplate Gothic Bold" panose="020E0705020206020404" pitchFamily="34" charset="0"/>
+            </a:endParaRPr>
+          </a:p>
+        </p:txBody>
+      </p:sp>
+      <p:cxnSp>
+        <p:nvCxnSpPr>
+          <p:cNvPr id="6" name="Egyenes összekötő 5">
+            <a:extLst>
+              <a:ext uri="{FF2B5EF4-FFF2-40B4-BE49-F238E27FC236}">
+                <a16:creationId xmlns:a16="http://schemas.microsoft.com/office/drawing/2014/main" id="{D38122AC-0727-40BE-BA92-38D95B4E27C6}"/>
+              </a:ext>
+            </a:extLst>
+          </p:cNvPr>
+          <p:cNvCxnSpPr/>
+          <p:nvPr/>
+        </p:nvCxnSpPr>
+        <p:spPr>
+          <a:xfrm>
+            <a:off x="4570027" y="1750952"/>
+            <a:ext cx="0" cy="4727448"/>
+          </a:xfrm>
+          <a:prstGeom prst="line">
+            <a:avLst/>
+          </a:prstGeom>
+          <a:ln w="19050"/>
+        </p:spPr>
+        <p:style>
+          <a:lnRef idx="1">
+            <a:schemeClr val="dk1"/>
+          </a:lnRef>
+          <a:fillRef idx="0">
+            <a:schemeClr val="dk1"/>
+          </a:fillRef>
+          <a:effectRef idx="0">
+            <a:schemeClr val="dk1"/>
+          </a:effectRef>
+          <a:fontRef idx="minor">
+            <a:schemeClr val="tx1"/>
+          </a:fontRef>
+        </p:style>
+      </p:cxnSp>
+    </p:spTree>
+    <p:extLst>
+      <p:ext uri="{BB962C8B-B14F-4D97-AF65-F5344CB8AC3E}">
+        <p14:creationId xmlns:p14="http://schemas.microsoft.com/office/powerpoint/2010/main" val="3067177898"/>
+      </p:ext>
+    </p:extLst>
+  </p:cSld>
+  <p:clrMapOvr>
+    <a:masterClrMapping/>
+  </p:clrMapOvr>
+</p:sld>
+</file>
+
+<file path=ppt/slides/slide7.xml><?xml version="1.0" encoding="utf-8"?>
+<p:sld xmlns:a="http://schemas.openxmlformats.org/drawingml/2006/main" xmlns:r="http://schemas.openxmlformats.org/officeDocument/2006/relationships" xmlns:p="http://schemas.openxmlformats.org/presentationml/2006/main">
+  <p:cSld>
+    <p:spTree>
+      <p:nvGrpSpPr>
+        <p:cNvPr id="1" name=""/>
+        <p:cNvGrpSpPr/>
+        <p:nvPr/>
+      </p:nvGrpSpPr>
+      <p:grpSpPr>
+        <a:xfrm>
+          <a:off x="0" y="0"/>
+          <a:ext cx="0" cy="0"/>
+          <a:chOff x="0" y="0"/>
+          <a:chExt cx="0" cy="0"/>
+        </a:xfrm>
+      </p:grpSpPr>
+      <p:sp>
+        <p:nvSpPr>
+          <p:cNvPr id="2" name="Téglalap 1">
+            <a:extLst>
+              <a:ext uri="{FF2B5EF4-FFF2-40B4-BE49-F238E27FC236}">
+                <a16:creationId xmlns:a16="http://schemas.microsoft.com/office/drawing/2014/main" id="{7E1D9BDB-2E1E-3D39-93F3-B317D32AFEF2}"/>
+              </a:ext>
+            </a:extLst>
+          </p:cNvPr>
+          <p:cNvSpPr/>
+          <p:nvPr/>
+        </p:nvSpPr>
+        <p:spPr>
+          <a:xfrm>
+            <a:off x="0" y="2329716"/>
+            <a:ext cx="9144000" cy="523220"/>
+          </a:xfrm>
+          <a:prstGeom prst="rect">
+            <a:avLst/>
+          </a:prstGeom>
+        </p:spPr>
+        <p:txBody>
+          <a:bodyPr wrap="square">
+            <a:spAutoFit/>
+          </a:bodyPr>
+          <a:lstStyle/>
+          <a:p>
+            <a:pPr algn="ctr"/>
+            <a:r>
+              <a:rPr lang="hu-HU" sz="2800" dirty="0" err="1">
+                <a:solidFill>
+                  <a:schemeClr val="bg1">
+                    <a:lumMod val="95000"/>
+                    <a:lumOff val="5000"/>
+                  </a:schemeClr>
+                </a:solidFill>
+                <a:latin typeface="Copperplate Gothic Bold" pitchFamily="34" charset="0"/>
+              </a:rPr>
+              <a:t>Thank</a:t>
+            </a:r>
+            <a:r>
+              <a:rPr lang="hu-HU" sz="2800" dirty="0">
+                <a:solidFill>
+                  <a:schemeClr val="bg1">
+                    <a:lumMod val="95000"/>
+                    <a:lumOff val="5000"/>
+                  </a:schemeClr>
+                </a:solidFill>
+                <a:latin typeface="Copperplate Gothic Bold" pitchFamily="34" charset="0"/>
+              </a:rPr>
+              <a:t> </a:t>
+            </a:r>
+            <a:r>
+              <a:rPr lang="hu-HU" sz="2800" dirty="0" err="1">
+                <a:solidFill>
+                  <a:schemeClr val="bg1">
+                    <a:lumMod val="95000"/>
+                    <a:lumOff val="5000"/>
+                  </a:schemeClr>
+                </a:solidFill>
+                <a:latin typeface="Copperplate Gothic Bold" pitchFamily="34" charset="0"/>
+              </a:rPr>
+              <a:t>you</a:t>
+            </a:r>
+            <a:r>
+              <a:rPr lang="hu-HU" sz="2800" dirty="0">
+                <a:solidFill>
+                  <a:schemeClr val="bg1">
+                    <a:lumMod val="95000"/>
+                    <a:lumOff val="5000"/>
+                  </a:schemeClr>
+                </a:solidFill>
+                <a:latin typeface="Copperplate Gothic Bold" pitchFamily="34" charset="0"/>
+              </a:rPr>
+              <a:t> </a:t>
+            </a:r>
+            <a:r>
+              <a:rPr lang="hu-HU" sz="2800" dirty="0" err="1">
+                <a:solidFill>
+                  <a:schemeClr val="bg1">
+                    <a:lumMod val="95000"/>
+                    <a:lumOff val="5000"/>
+                  </a:schemeClr>
+                </a:solidFill>
+                <a:latin typeface="Copperplate Gothic Bold" pitchFamily="34" charset="0"/>
+              </a:rPr>
+              <a:t>for</a:t>
+            </a:r>
+            <a:r>
+              <a:rPr lang="hu-HU" sz="2800" dirty="0">
+                <a:solidFill>
+                  <a:schemeClr val="bg1">
+                    <a:lumMod val="95000"/>
+                    <a:lumOff val="5000"/>
+                  </a:schemeClr>
+                </a:solidFill>
+                <a:latin typeface="Copperplate Gothic Bold" pitchFamily="34" charset="0"/>
+              </a:rPr>
+              <a:t> </a:t>
+            </a:r>
+            <a:r>
+              <a:rPr lang="hu-HU" sz="2800" dirty="0" err="1">
+                <a:solidFill>
+                  <a:schemeClr val="bg1">
+                    <a:lumMod val="95000"/>
+                    <a:lumOff val="5000"/>
+                  </a:schemeClr>
+                </a:solidFill>
+                <a:latin typeface="Copperplate Gothic Bold" pitchFamily="34" charset="0"/>
+              </a:rPr>
+              <a:t>your</a:t>
+            </a:r>
+            <a:r>
+              <a:rPr lang="hu-HU" sz="2800" dirty="0">
+                <a:solidFill>
+                  <a:schemeClr val="bg1">
+                    <a:lumMod val="95000"/>
+                    <a:lumOff val="5000"/>
+                  </a:schemeClr>
+                </a:solidFill>
+                <a:latin typeface="Copperplate Gothic Bold" pitchFamily="34" charset="0"/>
+              </a:rPr>
+              <a:t> </a:t>
+            </a:r>
+            <a:r>
+              <a:rPr lang="hu-HU" sz="2800" dirty="0" err="1">
+                <a:solidFill>
+                  <a:schemeClr val="bg1">
+                    <a:lumMod val="95000"/>
+                    <a:lumOff val="5000"/>
+                  </a:schemeClr>
+                </a:solidFill>
+                <a:latin typeface="Copperplate Gothic Bold" pitchFamily="34" charset="0"/>
+              </a:rPr>
+              <a:t>attention</a:t>
+            </a:r>
+            <a:r>
+              <a:rPr lang="hu-HU" sz="2800" dirty="0">
+                <a:solidFill>
+                  <a:schemeClr val="bg1">
+                    <a:lumMod val="95000"/>
+                    <a:lumOff val="5000"/>
+                  </a:schemeClr>
+                </a:solidFill>
+                <a:latin typeface="Copperplate Gothic Bold" pitchFamily="34" charset="0"/>
+              </a:rPr>
+              <a:t>!</a:t>
+            </a:r>
+          </a:p>
+        </p:txBody>
+      </p:sp>
+      <p:pic>
+        <p:nvPicPr>
+          <p:cNvPr id="7" name="Kép 6">
+            <a:extLst>
+              <a:ext uri="{FF2B5EF4-FFF2-40B4-BE49-F238E27FC236}">
+                <a16:creationId xmlns:a16="http://schemas.microsoft.com/office/drawing/2014/main" id="{0064A779-7E48-46DD-8470-74CB3B246D78}"/>
+              </a:ext>
+            </a:extLst>
+          </p:cNvPr>
+          <p:cNvPicPr>
+            <a:picLocks noChangeAspect="1"/>
+          </p:cNvPicPr>
+          <p:nvPr/>
+        </p:nvPicPr>
+        <p:blipFill rotWithShape="1">
+          <a:blip r:embed="rId2">
+            <a:extLst>
+              <a:ext uri="{28A0092B-C50C-407E-A947-70E740481C1C}">
+                <a14:useLocalDpi xmlns:a14="http://schemas.microsoft.com/office/drawing/2010/main" val="0"/>
+              </a:ext>
+            </a:extLst>
+          </a:blip>
+          <a:srcRect l="-53" t="9092" r="-53" b="-53"/>
+          <a:stretch/>
+        </p:blipFill>
+        <p:spPr>
+          <a:xfrm>
+            <a:off x="2608652" y="3212976"/>
+            <a:ext cx="3926695" cy="2376264"/>
+          </a:xfrm>
+          <a:prstGeom prst="rect">
+            <a:avLst/>
+          </a:prstGeom>
+          <a:ln w="25400">
+            <a:solidFill>
+              <a:schemeClr val="bg1"/>
+            </a:solidFill>
+          </a:ln>
+        </p:spPr>
+      </p:pic>
+    </p:spTree>
+    <p:extLst>
+      <p:ext uri="{BB962C8B-B14F-4D97-AF65-F5344CB8AC3E}">
+        <p14:creationId xmlns:p14="http://schemas.microsoft.com/office/powerpoint/2010/main" val="2669403086"/>
+      </p:ext>
+    </p:extLst>
   </p:cSld>
   <p:clrMapOvr>
     <a:masterClrMapping/>
